--- a/FINAL PROJECT.pptx
+++ b/FINAL PROJECT.pptx
@@ -287,8 +287,11 @@
     </a:lvl9pPr>
   </p:defaultTextStyle>
   <p:extLst>
+    <p:ext uri="{EFAFB233-063F-42B5-8137-9DF3F51BA10A}">
+      <p15:sldGuideLst xmlns:p15="http://schemas.microsoft.com/office/powerpoint/2012/main"/>
+    </p:ext>
     <p:ext uri="http://customooxmlschemas.google.com/">
-      <go:slidesCustomData xmlns:go="http://customooxmlschemas.google.com/" xmlns:ahyp="http://schemas.microsoft.com/office/drawing/2018/hyperlinkcolor" xmlns:p15="http://schemas.microsoft.com/office/powerpoint/2012/main" xmlns:p14="http://schemas.microsoft.com/office/powerpoint/2010/main" xmlns:com="http://schemas.openxmlformats.org/drawingml/2006/compatibility" xmlns:pvml="urn:schemas-microsoft-com:office:powerpoint" xmlns:v="urn:schemas-microsoft-com:vml" xmlns:o="urn:schemas-microsoft-com:office:office" xmlns:dgm="http://schemas.openxmlformats.org/drawingml/2006/diagram" xmlns:c="http://schemas.openxmlformats.org/drawingml/2006/chart" xmlns:mv="urn:schemas-microsoft-com:mac:vml" xmlns:mc="http://schemas.openxmlformats.org/markup-compatibility/2006" xmlns="" r:id="rId32" roundtripDataSignature="AMtx7mgNljbIHxArlMV9lkNL/QKIMF/4Cw=="/>
+      <go:slidesCustomData xmlns="" xmlns:mc="http://schemas.openxmlformats.org/markup-compatibility/2006" xmlns:mv="urn:schemas-microsoft-com:mac:vml" xmlns:c="http://schemas.openxmlformats.org/drawingml/2006/chart" xmlns:dgm="http://schemas.openxmlformats.org/drawingml/2006/diagram" xmlns:o="urn:schemas-microsoft-com:office:office" xmlns:v="urn:schemas-microsoft-com:vml" xmlns:pvml="urn:schemas-microsoft-com:office:powerpoint" xmlns:com="http://schemas.openxmlformats.org/drawingml/2006/compatibility" xmlns:p14="http://schemas.microsoft.com/office/powerpoint/2010/main" xmlns:p15="http://schemas.microsoft.com/office/powerpoint/2012/main" xmlns:ahyp="http://schemas.microsoft.com/office/drawing/2018/hyperlinkcolor" xmlns:go="http://customooxmlschemas.google.com/" r:id="rId32" roundtripDataSignature="AMtx7mgNljbIHxArlMV9lkNL/QKIMF/4Cw=="/>
     </p:ext>
   </p:extLst>
 </p:presentation>
@@ -10727,7 +10730,7 @@
         </p:nvSpPr>
         <p:spPr>
           <a:xfrm>
-            <a:off x="6581035" y="634946"/>
+            <a:off x="6569560" y="1572018"/>
             <a:ext cx="5127300" cy="615600"/>
           </a:xfrm>
           <a:prstGeom prst="rect">
@@ -10763,13 +10766,9 @@
             </a:pPr>
             <a:r>
               <a:rPr lang="en-US" sz="3300" b="1" dirty="0"/>
-              <a:t>Prediction</a:t>
+              <a:t>Prediction vs Actual</a:t>
             </a:r>
-            <a:r>
-              <a:rPr lang="en-US" sz="3300" dirty="0"/>
-              <a:t> vs Actual</a:t>
-            </a:r>
-            <a:endParaRPr sz="3930" dirty="0"/>
+            <a:endParaRPr sz="3930" b="1" dirty="0"/>
           </a:p>
         </p:txBody>
       </p:sp>
@@ -10959,8 +10958,8 @@
         </p:nvSpPr>
         <p:spPr>
           <a:xfrm>
-            <a:off x="10491699" y="9604"/>
-            <a:ext cx="1819729" cy="400069"/>
+            <a:off x="11086044" y="9604"/>
+            <a:ext cx="1225384" cy="400069"/>
           </a:xfrm>
           <a:prstGeom prst="rect">
             <a:avLst/>
@@ -11011,56 +11010,62 @@
       </p:sp>
       <p:pic>
         <p:nvPicPr>
-          <p:cNvPr id="209" name="Google Shape;209;p8"/>
-          <p:cNvPicPr preferRelativeResize="0"/>
+          <p:cNvPr id="3" name="Picture 2">
+            <a:extLst>
+              <a:ext uri="{FF2B5EF4-FFF2-40B4-BE49-F238E27FC236}">
+                <a16:creationId xmlns:a16="http://schemas.microsoft.com/office/drawing/2014/main" id="{0C82732B-DCEA-4B6B-99B2-7AAC649B0E76}"/>
+              </a:ext>
+            </a:extLst>
+          </p:cNvPr>
+          <p:cNvPicPr>
+            <a:picLocks noChangeAspect="1"/>
+          </p:cNvPicPr>
           <p:nvPr/>
         </p:nvPicPr>
-        <p:blipFill rotWithShape="1">
-          <a:blip r:embed="rId5">
-            <a:alphaModFix/>
-          </a:blip>
-          <a:srcRect/>
-          <a:stretch/>
+        <p:blipFill>
+          <a:blip r:embed="rId5"/>
+          <a:stretch>
+            <a:fillRect/>
+          </a:stretch>
         </p:blipFill>
         <p:spPr>
           <a:xfrm>
-            <a:off x="262496" y="344226"/>
-            <a:ext cx="5884882" cy="5365230"/>
+            <a:off x="0" y="246219"/>
+            <a:ext cx="6573988" cy="5908362"/>
           </a:xfrm>
           <a:prstGeom prst="rect">
             <a:avLst/>
           </a:prstGeom>
-          <a:noFill/>
-          <a:ln>
-            <a:noFill/>
-          </a:ln>
         </p:spPr>
       </p:pic>
       <p:pic>
         <p:nvPicPr>
-          <p:cNvPr id="210" name="Google Shape;210;p8"/>
-          <p:cNvPicPr preferRelativeResize="0"/>
+          <p:cNvPr id="5" name="Picture 4">
+            <a:extLst>
+              <a:ext uri="{FF2B5EF4-FFF2-40B4-BE49-F238E27FC236}">
+                <a16:creationId xmlns:a16="http://schemas.microsoft.com/office/drawing/2014/main" id="{8B41AFD9-7FBB-45B3-B6BE-688293EB89E3}"/>
+              </a:ext>
+            </a:extLst>
+          </p:cNvPr>
+          <p:cNvPicPr>
+            <a:picLocks noChangeAspect="1"/>
+          </p:cNvPicPr>
           <p:nvPr/>
         </p:nvPicPr>
-        <p:blipFill rotWithShape="1">
-          <a:blip r:embed="rId6">
-            <a:alphaModFix/>
-          </a:blip>
-          <a:srcRect/>
-          <a:stretch/>
+        <p:blipFill>
+          <a:blip r:embed="rId6"/>
+          <a:stretch>
+            <a:fillRect/>
+          </a:stretch>
         </p:blipFill>
         <p:spPr>
           <a:xfrm>
-            <a:off x="6439535" y="1459946"/>
-            <a:ext cx="5652596" cy="3250405"/>
+            <a:off x="6623058" y="2320338"/>
+            <a:ext cx="5517900" cy="3085209"/>
           </a:xfrm>
           <a:prstGeom prst="rect">
             <a:avLst/>
           </a:prstGeom>
-          <a:noFill/>
-          <a:ln>
-            <a:noFill/>
-          </a:ln>
         </p:spPr>
       </p:pic>
     </p:spTree>
@@ -15310,28 +15315,6 @@
           </a:fontRef>
         </p:style>
       </p:cxnSp>
-      <p:pic>
-        <p:nvPicPr>
-          <p:cNvPr id="196" name="Google Shape;196;g10f86c31387_0_2"/>
-          <p:cNvPicPr preferRelativeResize="0"/>
-          <p:nvPr/>
-        </p:nvPicPr>
-        <p:blipFill>
-          <a:blip r:embed="rId3"/>
-          <a:stretch>
-            <a:fillRect/>
-          </a:stretch>
-        </p:blipFill>
-        <p:spPr>
-          <a:xfrm>
-            <a:off x="331567" y="2877520"/>
-            <a:ext cx="5455917" cy="3096233"/>
-          </a:xfrm>
-          <a:prstGeom prst="rect">
-            <a:avLst/>
-          </a:prstGeom>
-        </p:spPr>
-      </p:pic>
       <p:cxnSp>
         <p:nvCxnSpPr>
           <p:cNvPr id="141" name="Straight Connector 140">
@@ -15384,28 +15367,6 @@
           </a:fontRef>
         </p:style>
       </p:cxnSp>
-      <p:pic>
-        <p:nvPicPr>
-          <p:cNvPr id="195" name="Google Shape;195;g10f86c31387_0_2"/>
-          <p:cNvPicPr preferRelativeResize="0"/>
-          <p:nvPr/>
-        </p:nvPicPr>
-        <p:blipFill>
-          <a:blip r:embed="rId4"/>
-          <a:stretch>
-            <a:fillRect/>
-          </a:stretch>
-        </p:blipFill>
-        <p:spPr>
-          <a:xfrm>
-            <a:off x="6445073" y="3204874"/>
-            <a:ext cx="5455917" cy="2441524"/>
-          </a:xfrm>
-          <a:prstGeom prst="rect">
-            <a:avLst/>
-          </a:prstGeom>
-        </p:spPr>
-      </p:pic>
       <p:sp>
         <p:nvSpPr>
           <p:cNvPr id="12" name="Google Shape;208;p8">
@@ -15470,6 +15431,66 @@
           </a:p>
         </p:txBody>
       </p:sp>
+      <p:pic>
+        <p:nvPicPr>
+          <p:cNvPr id="3" name="Picture 2">
+            <a:extLst>
+              <a:ext uri="{FF2B5EF4-FFF2-40B4-BE49-F238E27FC236}">
+                <a16:creationId xmlns:a16="http://schemas.microsoft.com/office/drawing/2014/main" id="{52C12C3C-F94D-4760-B452-BAB6111F7E08}"/>
+              </a:ext>
+            </a:extLst>
+          </p:cNvPr>
+          <p:cNvPicPr>
+            <a:picLocks noChangeAspect="1"/>
+          </p:cNvPicPr>
+          <p:nvPr/>
+        </p:nvPicPr>
+        <p:blipFill>
+          <a:blip r:embed="rId3"/>
+          <a:stretch>
+            <a:fillRect/>
+          </a:stretch>
+        </p:blipFill>
+        <p:spPr>
+          <a:xfrm>
+            <a:off x="546351" y="2726621"/>
+            <a:ext cx="5301421" cy="3176022"/>
+          </a:xfrm>
+          <a:prstGeom prst="rect">
+            <a:avLst/>
+          </a:prstGeom>
+        </p:spPr>
+      </p:pic>
+      <p:pic>
+        <p:nvPicPr>
+          <p:cNvPr id="5" name="Picture 4">
+            <a:extLst>
+              <a:ext uri="{FF2B5EF4-FFF2-40B4-BE49-F238E27FC236}">
+                <a16:creationId xmlns:a16="http://schemas.microsoft.com/office/drawing/2014/main" id="{C4FB9CAF-C850-424B-AED4-EA7673155B59}"/>
+              </a:ext>
+            </a:extLst>
+          </p:cNvPr>
+          <p:cNvPicPr>
+            <a:picLocks noChangeAspect="1"/>
+          </p:cNvPicPr>
+          <p:nvPr/>
+        </p:nvPicPr>
+        <p:blipFill>
+          <a:blip r:embed="rId4"/>
+          <a:stretch>
+            <a:fillRect/>
+          </a:stretch>
+        </p:blipFill>
+        <p:spPr>
+          <a:xfrm>
+            <a:off x="6375209" y="3059162"/>
+            <a:ext cx="5460466" cy="2464236"/>
+          </a:xfrm>
+          <a:prstGeom prst="rect">
+            <a:avLst/>
+          </a:prstGeom>
+        </p:spPr>
+      </p:pic>
     </p:spTree>
   </p:cSld>
   <p:clrMapOvr>

--- a/FINAL PROJECT.pptx
+++ b/FINAL PROJECT.pptx
@@ -10846,8 +10846,8 @@
         </p:nvSpPr>
         <p:spPr>
           <a:xfrm>
-            <a:off x="6793524" y="6097075"/>
-            <a:ext cx="5517900" cy="400200"/>
+            <a:off x="7374064" y="6234146"/>
+            <a:ext cx="5517900" cy="215403"/>
           </a:xfrm>
           <a:prstGeom prst="rect">
             <a:avLst/>
@@ -10873,7 +10873,7 @@
               <a:buNone/>
             </a:pPr>
             <a:r>
-              <a:rPr lang="en-US" sz="1000" b="0" i="0" u="sng" strike="noStrike" cap="none">
+              <a:rPr lang="en-US" sz="800" b="0" i="0" u="sng" strike="noStrike" cap="none" dirty="0">
                 <a:solidFill>
                   <a:schemeClr val="dk1"/>
                 </a:solidFill>
@@ -10881,37 +10881,10 @@
                 <a:ea typeface="Libre Franklin"/>
                 <a:cs typeface="Libre Franklin"/>
                 <a:sym typeface="Libre Franklin"/>
-                <a:hlinkClick r:id="rId3">
-                  <a:extLst>
-                    <a:ext uri="{A12FA001-AC4F-418D-AE19-62706E023703}">
-                      <ahyp:hlinkClr xmlns:ahyp="http://schemas.microsoft.com/office/drawing/2018/hyperlinkcolor" val="tx"/>
-                    </a:ext>
-                  </a:extLst>
-                </a:hlinkClick>
               </a:rPr>
-              <a:t>https://public.tableau.com/authoring/FinalProject_16428453496070/Analysis#1</a:t>
+              <a:t>https://public.tableau.com/app/profile/hayley.lim1475/viz/FinalProject_16428453496070/Story1#1</a:t>
             </a:r>
-            <a:endParaRPr sz="1000">
-              <a:solidFill>
-                <a:schemeClr val="dk1"/>
-              </a:solidFill>
-              <a:latin typeface="Libre Franklin"/>
-              <a:ea typeface="Libre Franklin"/>
-              <a:cs typeface="Libre Franklin"/>
-              <a:sym typeface="Libre Franklin"/>
-            </a:endParaRPr>
-          </a:p>
-          <a:p>
-            <a:pPr marL="0" marR="0" lvl="0" indent="0" algn="l" rtl="0">
-              <a:spcBef>
-                <a:spcPts val="0"/>
-              </a:spcBef>
-              <a:spcAft>
-                <a:spcPts val="0"/>
-              </a:spcAft>
-              <a:buNone/>
-            </a:pPr>
-            <a:endParaRPr sz="1000">
+            <a:endParaRPr sz="800" dirty="0">
               <a:solidFill>
                 <a:schemeClr val="dk1"/>
               </a:solidFill>
@@ -10930,7 +10903,7 @@
           <p:nvPr/>
         </p:nvPicPr>
         <p:blipFill rotWithShape="1">
-          <a:blip r:embed="rId4">
+          <a:blip r:embed="rId3">
             <a:alphaModFix/>
           </a:blip>
           <a:srcRect/>
@@ -10950,64 +10923,6 @@
           </a:ln>
         </p:spPr>
       </p:pic>
-      <p:sp>
-        <p:nvSpPr>
-          <p:cNvPr id="208" name="Google Shape;208;p8"/>
-          <p:cNvSpPr/>
-          <p:nvPr/>
-        </p:nvSpPr>
-        <p:spPr>
-          <a:xfrm>
-            <a:off x="11086044" y="9604"/>
-            <a:ext cx="1225384" cy="400069"/>
-          </a:xfrm>
-          <a:prstGeom prst="rect">
-            <a:avLst/>
-          </a:prstGeom>
-          <a:noFill/>
-          <a:ln>
-            <a:noFill/>
-          </a:ln>
-        </p:spPr>
-        <p:txBody>
-          <a:bodyPr spcFirstLastPara="1" wrap="square" lIns="91425" tIns="45700" rIns="91425" bIns="45700" anchor="t" anchorCtr="0">
-            <a:spAutoFit/>
-          </a:bodyPr>
-          <a:lstStyle/>
-          <a:p>
-            <a:pPr marL="0" marR="0" lvl="0" indent="0" algn="ctr" rtl="0">
-              <a:spcBef>
-                <a:spcPts val="0"/>
-              </a:spcBef>
-              <a:spcAft>
-                <a:spcPts val="0"/>
-              </a:spcAft>
-              <a:buNone/>
-            </a:pPr>
-            <a:r>
-              <a:rPr lang="en-US" sz="2000" b="1" dirty="0">
-                <a:solidFill>
-                  <a:schemeClr val="dk1"/>
-                </a:solidFill>
-                <a:latin typeface="Libre Franklin"/>
-                <a:ea typeface="Libre Franklin"/>
-                <a:cs typeface="Libre Franklin"/>
-                <a:sym typeface="Libre Franklin"/>
-              </a:rPr>
-              <a:t>CATH</a:t>
-            </a:r>
-            <a:endParaRPr sz="2000" b="1" cap="none" dirty="0">
-              <a:solidFill>
-                <a:schemeClr val="dk1"/>
-              </a:solidFill>
-              <a:latin typeface="Libre Franklin"/>
-              <a:ea typeface="Libre Franklin"/>
-              <a:cs typeface="Libre Franklin"/>
-              <a:sym typeface="Libre Franklin"/>
-            </a:endParaRPr>
-          </a:p>
-        </p:txBody>
-      </p:sp>
       <p:pic>
         <p:nvPicPr>
           <p:cNvPr id="3" name="Picture 2">
@@ -11023,7 +10938,7 @@
           <p:nvPr/>
         </p:nvPicPr>
         <p:blipFill>
-          <a:blip r:embed="rId5"/>
+          <a:blip r:embed="rId4"/>
           <a:stretch>
             <a:fillRect/>
           </a:stretch>
@@ -11053,7 +10968,7 @@
           <p:nvPr/>
         </p:nvPicPr>
         <p:blipFill>
-          <a:blip r:embed="rId6"/>
+          <a:blip r:embed="rId5"/>
           <a:stretch>
             <a:fillRect/>
           </a:stretch>
@@ -11639,124 +11554,6 @@
           </a:ln>
         </p:spPr>
       </p:cxnSp>
-      <p:sp>
-        <p:nvSpPr>
-          <p:cNvPr id="223" name="Google Shape;223;p10"/>
-          <p:cNvSpPr/>
-          <p:nvPr/>
-        </p:nvSpPr>
-        <p:spPr>
-          <a:xfrm>
-            <a:off x="10677162" y="9604"/>
-            <a:ext cx="1448700" cy="554100"/>
-          </a:xfrm>
-          <a:prstGeom prst="rect">
-            <a:avLst/>
-          </a:prstGeom>
-          <a:noFill/>
-          <a:ln>
-            <a:noFill/>
-          </a:ln>
-        </p:spPr>
-        <p:txBody>
-          <a:bodyPr spcFirstLastPara="1" wrap="square" lIns="91425" tIns="45700" rIns="91425" bIns="45700" anchor="t" anchorCtr="0">
-            <a:spAutoFit/>
-          </a:bodyPr>
-          <a:lstStyle/>
-          <a:p>
-            <a:pPr marL="0" marR="0" lvl="0" indent="0" algn="ctr" rtl="0">
-              <a:spcBef>
-                <a:spcPts val="0"/>
-              </a:spcBef>
-              <a:spcAft>
-                <a:spcPts val="0"/>
-              </a:spcAft>
-              <a:buNone/>
-            </a:pPr>
-            <a:r>
-              <a:rPr lang="en-US" sz="3000" b="1" cap="none">
-                <a:solidFill>
-                  <a:schemeClr val="lt2"/>
-                </a:solidFill>
-                <a:latin typeface="Libre Franklin"/>
-                <a:ea typeface="Libre Franklin"/>
-                <a:cs typeface="Libre Franklin"/>
-                <a:sym typeface="Libre Franklin"/>
-              </a:rPr>
-              <a:t>H</a:t>
-            </a:r>
-            <a:r>
-              <a:rPr lang="en-US" sz="3000" b="1">
-                <a:solidFill>
-                  <a:schemeClr val="lt2"/>
-                </a:solidFill>
-                <a:latin typeface="Libre Franklin"/>
-                <a:ea typeface="Libre Franklin"/>
-                <a:cs typeface="Libre Franklin"/>
-                <a:sym typeface="Libre Franklin"/>
-              </a:rPr>
-              <a:t>L</a:t>
-            </a:r>
-            <a:endParaRPr/>
-          </a:p>
-        </p:txBody>
-      </p:sp>
-      <p:sp>
-        <p:nvSpPr>
-          <p:cNvPr id="12" name="Google Shape;234;p11">
-            <a:extLst>
-              <a:ext uri="{FF2B5EF4-FFF2-40B4-BE49-F238E27FC236}">
-                <a16:creationId xmlns:a16="http://schemas.microsoft.com/office/drawing/2014/main" id="{13FD24CB-18E2-4D60-8563-AEA128E9CA0E}"/>
-              </a:ext>
-            </a:extLst>
-          </p:cNvPr>
-          <p:cNvSpPr/>
-          <p:nvPr/>
-        </p:nvSpPr>
-        <p:spPr>
-          <a:xfrm>
-            <a:off x="10677067" y="26595"/>
-            <a:ext cx="1448795" cy="553998"/>
-          </a:xfrm>
-          <a:prstGeom prst="rect">
-            <a:avLst/>
-          </a:prstGeom>
-          <a:noFill/>
-          <a:ln>
-            <a:noFill/>
-          </a:ln>
-        </p:spPr>
-        <p:txBody>
-          <a:bodyPr spcFirstLastPara="1" wrap="square" lIns="91425" tIns="45700" rIns="91425" bIns="45700" anchor="t" anchorCtr="0">
-            <a:spAutoFit/>
-          </a:bodyPr>
-          <a:lstStyle/>
-          <a:p>
-            <a:pPr marL="0" marR="0" lvl="0" indent="0" algn="ctr" rtl="0">
-              <a:spcBef>
-                <a:spcPts val="0"/>
-              </a:spcBef>
-              <a:spcAft>
-                <a:spcPts val="0"/>
-              </a:spcAft>
-              <a:buNone/>
-            </a:pPr>
-            <a:r>
-              <a:rPr lang="en-US" sz="3000" b="1" dirty="0">
-                <a:solidFill>
-                  <a:srgbClr val="BFBFBF"/>
-                </a:solidFill>
-                <a:latin typeface="Libre Franklin"/>
-                <a:ea typeface="Libre Franklin"/>
-                <a:cs typeface="Libre Franklin"/>
-                <a:sym typeface="Libre Franklin"/>
-              </a:rPr>
-              <a:t>HL</a:t>
-            </a:r>
-            <a:endParaRPr dirty="0"/>
-          </a:p>
-        </p:txBody>
-      </p:sp>
     </p:spTree>
   </p:cSld>
   <p:clrMapOvr>
@@ -11853,7 +11650,7 @@
         </p:blipFill>
         <p:spPr>
           <a:xfrm>
-            <a:off x="20" y="10"/>
+            <a:off x="-2" y="351702"/>
             <a:ext cx="12191980" cy="6857990"/>
           </a:xfrm>
           <a:prstGeom prst="rect">
@@ -12044,56 +11841,6 @@
               <a:buNone/>
             </a:pPr>
             <a:endParaRPr/>
-          </a:p>
-        </p:txBody>
-      </p:sp>
-      <p:sp>
-        <p:nvSpPr>
-          <p:cNvPr id="234" name="Google Shape;234;p11"/>
-          <p:cNvSpPr/>
-          <p:nvPr/>
-        </p:nvSpPr>
-        <p:spPr>
-          <a:xfrm>
-            <a:off x="10370322" y="70295"/>
-            <a:ext cx="1448795" cy="553998"/>
-          </a:xfrm>
-          <a:prstGeom prst="rect">
-            <a:avLst/>
-          </a:prstGeom>
-          <a:noFill/>
-          <a:ln>
-            <a:noFill/>
-          </a:ln>
-        </p:spPr>
-        <p:txBody>
-          <a:bodyPr spcFirstLastPara="1" wrap="square" lIns="91425" tIns="45700" rIns="91425" bIns="45700" anchor="t" anchorCtr="0">
-            <a:spAutoFit/>
-          </a:bodyPr>
-          <a:lstStyle/>
-          <a:p>
-            <a:pPr marL="0" marR="0" lvl="0" indent="0" algn="ctr" rtl="0">
-              <a:spcBef>
-                <a:spcPts val="0"/>
-              </a:spcBef>
-              <a:spcAft>
-                <a:spcPts val="0"/>
-              </a:spcAft>
-              <a:buNone/>
-            </a:pPr>
-            <a:r>
-              <a:rPr lang="en-US" sz="3000" b="1" dirty="0">
-                <a:solidFill>
-                  <a:srgbClr val="BFBFBF"/>
-                </a:solidFill>
-                <a:latin typeface="Libre Franklin"/>
-                <a:ea typeface="Libre Franklin"/>
-                <a:cs typeface="Libre Franklin"/>
-                <a:sym typeface="Libre Franklin"/>
-              </a:rPr>
-              <a:t>HL</a:t>
-            </a:r>
-            <a:endParaRPr dirty="0"/>
           </a:p>
         </p:txBody>
       </p:sp>
@@ -12394,7 +12141,7 @@
         </p:blipFill>
         <p:spPr>
           <a:xfrm>
-            <a:off x="-518579" y="-761990"/>
+            <a:off x="0" y="9"/>
             <a:ext cx="4419580" cy="6857991"/>
           </a:xfrm>
           <a:prstGeom prst="rect">
@@ -12432,64 +12179,6 @@
           </a:ln>
         </p:spPr>
       </p:cxnSp>
-      <p:sp>
-        <p:nvSpPr>
-          <p:cNvPr id="127" name="Google Shape;127;p2"/>
-          <p:cNvSpPr/>
-          <p:nvPr/>
-        </p:nvSpPr>
-        <p:spPr>
-          <a:xfrm>
-            <a:off x="10370321" y="70295"/>
-            <a:ext cx="1448795" cy="553998"/>
-          </a:xfrm>
-          <a:prstGeom prst="rect">
-            <a:avLst/>
-          </a:prstGeom>
-          <a:noFill/>
-          <a:ln>
-            <a:noFill/>
-          </a:ln>
-        </p:spPr>
-        <p:txBody>
-          <a:bodyPr spcFirstLastPara="1" wrap="square" lIns="91425" tIns="45700" rIns="91425" bIns="45700" anchor="t" anchorCtr="0">
-            <a:spAutoFit/>
-          </a:bodyPr>
-          <a:lstStyle/>
-          <a:p>
-            <a:pPr marL="0" marR="0" lvl="0" indent="0" algn="ctr" rtl="0">
-              <a:spcBef>
-                <a:spcPts val="0"/>
-              </a:spcBef>
-              <a:spcAft>
-                <a:spcPts val="0"/>
-              </a:spcAft>
-              <a:buNone/>
-            </a:pPr>
-            <a:r>
-              <a:rPr lang="en-US" sz="3000" b="1">
-                <a:solidFill>
-                  <a:schemeClr val="dk1"/>
-                </a:solidFill>
-                <a:latin typeface="Libre Franklin"/>
-                <a:ea typeface="Libre Franklin"/>
-                <a:cs typeface="Libre Franklin"/>
-                <a:sym typeface="Libre Franklin"/>
-              </a:rPr>
-              <a:t>HL</a:t>
-            </a:r>
-            <a:endParaRPr sz="3000" b="1" i="0" u="none" strike="noStrike" cap="none">
-              <a:solidFill>
-                <a:schemeClr val="dk1"/>
-              </a:solidFill>
-              <a:latin typeface="Libre Franklin"/>
-              <a:ea typeface="Libre Franklin"/>
-              <a:cs typeface="Libre Franklin"/>
-              <a:sym typeface="Libre Franklin"/>
-            </a:endParaRPr>
-          </a:p>
-        </p:txBody>
-      </p:sp>
     </p:spTree>
   </p:cSld>
   <p:clrMapOvr>
@@ -12894,96 +12583,6 @@
           </a:ln>
         </p:spPr>
       </p:pic>
-      <p:sp>
-        <p:nvSpPr>
-          <p:cNvPr id="137" name="Google Shape;137;p3"/>
-          <p:cNvSpPr/>
-          <p:nvPr/>
-        </p:nvSpPr>
-        <p:spPr>
-          <a:xfrm>
-            <a:off x="372873" y="-37175"/>
-            <a:ext cx="2110200" cy="554100"/>
-          </a:xfrm>
-          <a:prstGeom prst="rect">
-            <a:avLst/>
-          </a:prstGeom>
-          <a:noFill/>
-          <a:ln>
-            <a:noFill/>
-          </a:ln>
-        </p:spPr>
-        <p:txBody>
-          <a:bodyPr spcFirstLastPara="1" wrap="square" lIns="91425" tIns="45700" rIns="91425" bIns="45700" anchor="t" anchorCtr="0">
-            <a:spAutoFit/>
-          </a:bodyPr>
-          <a:lstStyle/>
-          <a:p>
-            <a:pPr marL="0" marR="0" lvl="0" indent="0" algn="ctr" rtl="0">
-              <a:spcBef>
-                <a:spcPts val="0"/>
-              </a:spcBef>
-              <a:spcAft>
-                <a:spcPts val="0"/>
-              </a:spcAft>
-              <a:buNone/>
-            </a:pPr>
-            <a:r>
-              <a:rPr lang="en-US" sz="3000" b="1" i="0" u="none" strike="noStrike" cap="none" dirty="0">
-                <a:solidFill>
-                  <a:srgbClr val="BFBFBF"/>
-                </a:solidFill>
-                <a:latin typeface="Libre Franklin"/>
-                <a:ea typeface="Libre Franklin"/>
-                <a:cs typeface="Libre Franklin"/>
-                <a:sym typeface="Libre Franklin"/>
-              </a:rPr>
-              <a:t>H</a:t>
-            </a:r>
-            <a:r>
-              <a:rPr lang="en-US" sz="3000" b="1" dirty="0">
-                <a:solidFill>
-                  <a:srgbClr val="BFBFBF"/>
-                </a:solidFill>
-                <a:latin typeface="Libre Franklin"/>
-                <a:ea typeface="Libre Franklin"/>
-                <a:cs typeface="Libre Franklin"/>
-                <a:sym typeface="Libre Franklin"/>
-              </a:rPr>
-              <a:t>L</a:t>
-            </a:r>
-            <a:endParaRPr sz="3000" b="1" dirty="0">
-              <a:solidFill>
-                <a:srgbClr val="BFBFBF"/>
-              </a:solidFill>
-              <a:latin typeface="Libre Franklin"/>
-              <a:ea typeface="Libre Franklin"/>
-              <a:cs typeface="Libre Franklin"/>
-              <a:sym typeface="Libre Franklin"/>
-            </a:endParaRPr>
-          </a:p>
-          <a:p>
-            <a:pPr marL="0" marR="0" lvl="0" indent="0" algn="ctr" rtl="0">
-              <a:spcBef>
-                <a:spcPts val="0"/>
-              </a:spcBef>
-              <a:spcAft>
-                <a:spcPts val="0"/>
-              </a:spcAft>
-              <a:buNone/>
-            </a:pPr>
-            <a:endParaRPr sz="3000" b="1" dirty="0">
-              <a:solidFill>
-                <a:srgbClr val="BFBFBF"/>
-              </a:solidFill>
-              <a:latin typeface="Libre Franklin"/>
-              <a:ea typeface="Libre Franklin"/>
-              <a:cs typeface="Libre Franklin"/>
-              <a:sym typeface="Libre Franklin"/>
-            </a:endParaRPr>
-          </a:p>
-        </p:txBody>
-      </p:sp>
     </p:spTree>
   </p:cSld>
   <p:clrMapOvr>
@@ -13218,90 +12817,6 @@
               </a:solidFill>
               <a:latin typeface="Abadi" panose="020B0604020104020204" pitchFamily="34" charset="0"/>
               <a:sym typeface="Arial"/>
-            </a:endParaRPr>
-          </a:p>
-        </p:txBody>
-      </p:sp>
-      <p:sp>
-        <p:nvSpPr>
-          <p:cNvPr id="9" name="Google Shape;137;p3">
-            <a:extLst>
-              <a:ext uri="{FF2B5EF4-FFF2-40B4-BE49-F238E27FC236}">
-                <a16:creationId xmlns:a16="http://schemas.microsoft.com/office/drawing/2014/main" id="{468866F1-E931-46E8-91CC-848A5F055E40}"/>
-              </a:ext>
-            </a:extLst>
-          </p:cNvPr>
-          <p:cNvSpPr/>
-          <p:nvPr/>
-        </p:nvSpPr>
-        <p:spPr>
-          <a:xfrm>
-            <a:off x="10343350" y="6143818"/>
-            <a:ext cx="2110200" cy="1015622"/>
-          </a:xfrm>
-          <a:prstGeom prst="rect">
-            <a:avLst/>
-          </a:prstGeom>
-          <a:noFill/>
-          <a:ln>
-            <a:noFill/>
-          </a:ln>
-        </p:spPr>
-        <p:txBody>
-          <a:bodyPr spcFirstLastPara="1" wrap="square" lIns="91425" tIns="45700" rIns="91425" bIns="45700" anchor="t" anchorCtr="0">
-            <a:spAutoFit/>
-          </a:bodyPr>
-          <a:lstStyle/>
-          <a:p>
-            <a:pPr marL="0" marR="0" lvl="0" indent="0" algn="ctr" rtl="0">
-              <a:spcBef>
-                <a:spcPts val="0"/>
-              </a:spcBef>
-              <a:spcAft>
-                <a:spcPts val="0"/>
-              </a:spcAft>
-              <a:buNone/>
-            </a:pPr>
-            <a:r>
-              <a:rPr lang="en-US" sz="3000" b="1" dirty="0">
-                <a:solidFill>
-                  <a:srgbClr val="BFBFBF"/>
-                </a:solidFill>
-                <a:latin typeface="Libre Franklin"/>
-                <a:ea typeface="Libre Franklin"/>
-                <a:cs typeface="Libre Franklin"/>
-                <a:sym typeface="Libre Franklin"/>
-              </a:rPr>
-              <a:t>FH</a:t>
-            </a:r>
-            <a:endParaRPr sz="3000" b="1" dirty="0">
-              <a:solidFill>
-                <a:srgbClr val="BFBFBF"/>
-              </a:solidFill>
-              <a:latin typeface="Libre Franklin"/>
-              <a:ea typeface="Libre Franklin"/>
-              <a:cs typeface="Libre Franklin"/>
-              <a:sym typeface="Libre Franklin"/>
-            </a:endParaRPr>
-          </a:p>
-          <a:p>
-            <a:pPr marL="0" marR="0" lvl="0" indent="0" algn="ctr" rtl="0">
-              <a:spcBef>
-                <a:spcPts val="0"/>
-              </a:spcBef>
-              <a:spcAft>
-                <a:spcPts val="0"/>
-              </a:spcAft>
-              <a:buNone/>
-            </a:pPr>
-            <a:endParaRPr sz="3000" b="1" dirty="0">
-              <a:solidFill>
-                <a:srgbClr val="BFBFBF"/>
-              </a:solidFill>
-              <a:latin typeface="Libre Franklin"/>
-              <a:ea typeface="Libre Franklin"/>
-              <a:cs typeface="Libre Franklin"/>
-              <a:sym typeface="Libre Franklin"/>
             </a:endParaRPr>
           </a:p>
         </p:txBody>
@@ -13487,63 +13002,6 @@
           </a:p>
         </p:txBody>
       </p:sp>
-      <p:sp>
-        <p:nvSpPr>
-          <p:cNvPr id="156" name="Google Shape;156;p5"/>
-          <p:cNvSpPr/>
-          <p:nvPr/>
-        </p:nvSpPr>
-        <p:spPr>
-          <a:xfrm>
-            <a:off x="10981391" y="6432438"/>
-            <a:ext cx="1635572" cy="425562"/>
-          </a:xfrm>
-          <a:prstGeom prst="rect">
-            <a:avLst/>
-          </a:prstGeom>
-        </p:spPr>
-        <p:txBody>
-          <a:bodyPr spcFirstLastPara="1" vert="horz" lIns="91440" tIns="45720" rIns="91440" bIns="45720" rtlCol="0" anchorCtr="0">
-            <a:normAutofit/>
-          </a:bodyPr>
-          <a:lstStyle/>
-          <a:p>
-            <a:pPr marL="0" marR="0" lvl="0" indent="-228600">
-              <a:lnSpc>
-                <a:spcPct val="90000"/>
-              </a:lnSpc>
-              <a:spcBef>
-                <a:spcPts val="0"/>
-              </a:spcBef>
-              <a:spcAft>
-                <a:spcPts val="600"/>
-              </a:spcAft>
-              <a:buFont typeface="Arial" panose="020B0604020202020204" pitchFamily="34" charset="0"/>
-              <a:buChar char="•"/>
-            </a:pPr>
-            <a:r>
-              <a:rPr lang="en-US" sz="1600" b="0" i="0" u="none" strike="noStrike" kern="1200" cap="none" dirty="0">
-                <a:solidFill>
-                  <a:schemeClr val="tx1"/>
-                </a:solidFill>
-                <a:latin typeface="+mn-lt"/>
-                <a:ea typeface="+mn-ea"/>
-                <a:cs typeface="+mn-cs"/>
-                <a:sym typeface="Libre Franklin"/>
-              </a:rPr>
-              <a:t>NASRIN</a:t>
-            </a:r>
-            <a:endParaRPr lang="en-US" sz="1600" kern="1200" dirty="0">
-              <a:solidFill>
-                <a:schemeClr val="tx1"/>
-              </a:solidFill>
-              <a:latin typeface="+mn-lt"/>
-              <a:ea typeface="+mn-ea"/>
-              <a:cs typeface="+mn-cs"/>
-            </a:endParaRPr>
-          </a:p>
-        </p:txBody>
-      </p:sp>
       <p:pic>
         <p:nvPicPr>
           <p:cNvPr id="157" name="Google Shape;157;p5"/>
@@ -13557,8 +13015,8 @@
         </p:blipFill>
         <p:spPr>
           <a:xfrm>
-            <a:off x="4662102" y="1341499"/>
-            <a:ext cx="6903723" cy="4051965"/>
+            <a:off x="4059932" y="952500"/>
+            <a:ext cx="7677799" cy="4615961"/>
           </a:xfrm>
           <a:prstGeom prst="rect">
             <a:avLst/>
@@ -13923,56 +13381,6 @@
               </a:spcAft>
               <a:buNone/>
             </a:pPr>
-            <a:endParaRPr/>
-          </a:p>
-        </p:txBody>
-      </p:sp>
-      <p:sp>
-        <p:nvSpPr>
-          <p:cNvPr id="168" name="Google Shape;168;p6"/>
-          <p:cNvSpPr/>
-          <p:nvPr/>
-        </p:nvSpPr>
-        <p:spPr>
-          <a:xfrm>
-            <a:off x="9982987" y="86547"/>
-            <a:ext cx="2356700" cy="400110"/>
-          </a:xfrm>
-          <a:prstGeom prst="rect">
-            <a:avLst/>
-          </a:prstGeom>
-          <a:noFill/>
-          <a:ln>
-            <a:noFill/>
-          </a:ln>
-        </p:spPr>
-        <p:txBody>
-          <a:bodyPr spcFirstLastPara="1" wrap="square" lIns="91425" tIns="45700" rIns="91425" bIns="45700" anchor="t" anchorCtr="0">
-            <a:spAutoFit/>
-          </a:bodyPr>
-          <a:lstStyle/>
-          <a:p>
-            <a:pPr marL="0" marR="0" lvl="0" indent="0" algn="ctr" rtl="0">
-              <a:spcBef>
-                <a:spcPts val="0"/>
-              </a:spcBef>
-              <a:spcAft>
-                <a:spcPts val="0"/>
-              </a:spcAft>
-              <a:buNone/>
-            </a:pPr>
-            <a:r>
-              <a:rPr lang="en-US" sz="2000" b="0" i="0" u="none" strike="noStrike" cap="none">
-                <a:solidFill>
-                  <a:schemeClr val="dk1"/>
-                </a:solidFill>
-                <a:latin typeface="Libre Franklin"/>
-                <a:ea typeface="Libre Franklin"/>
-                <a:cs typeface="Libre Franklin"/>
-                <a:sym typeface="Libre Franklin"/>
-              </a:rPr>
-              <a:t>NASRIN</a:t>
-            </a:r>
             <a:endParaRPr/>
           </a:p>
         </p:txBody>
@@ -14472,64 +13880,6 @@
           </a:p>
         </p:txBody>
       </p:sp>
-      <p:sp>
-        <p:nvSpPr>
-          <p:cNvPr id="180" name="Google Shape;180;p7"/>
-          <p:cNvSpPr/>
-          <p:nvPr/>
-        </p:nvSpPr>
-        <p:spPr>
-          <a:xfrm>
-            <a:off x="10270976" y="0"/>
-            <a:ext cx="2058600" cy="554100"/>
-          </a:xfrm>
-          <a:prstGeom prst="rect">
-            <a:avLst/>
-          </a:prstGeom>
-          <a:noFill/>
-          <a:ln>
-            <a:noFill/>
-          </a:ln>
-        </p:spPr>
-        <p:txBody>
-          <a:bodyPr spcFirstLastPara="1" wrap="square" lIns="91425" tIns="45700" rIns="91425" bIns="45700" anchor="t" anchorCtr="0">
-            <a:spAutoFit/>
-          </a:bodyPr>
-          <a:lstStyle/>
-          <a:p>
-            <a:pPr marL="0" marR="0" lvl="0" indent="0" algn="ctr" rtl="0">
-              <a:spcBef>
-                <a:spcPts val="0"/>
-              </a:spcBef>
-              <a:spcAft>
-                <a:spcPts val="0"/>
-              </a:spcAft>
-              <a:buNone/>
-            </a:pPr>
-            <a:r>
-              <a:rPr lang="en-US" sz="3000">
-                <a:solidFill>
-                  <a:schemeClr val="dk1"/>
-                </a:solidFill>
-                <a:latin typeface="Libre Franklin"/>
-                <a:ea typeface="Libre Franklin"/>
-                <a:cs typeface="Libre Franklin"/>
-                <a:sym typeface="Libre Franklin"/>
-              </a:rPr>
-              <a:t>CATH</a:t>
-            </a:r>
-            <a:endParaRPr sz="3000" b="0" i="0" u="none" strike="noStrike" cap="none">
-              <a:solidFill>
-                <a:schemeClr val="dk1"/>
-              </a:solidFill>
-              <a:latin typeface="Libre Franklin"/>
-              <a:ea typeface="Libre Franklin"/>
-              <a:cs typeface="Libre Franklin"/>
-              <a:sym typeface="Libre Franklin"/>
-            </a:endParaRPr>
-          </a:p>
-        </p:txBody>
-      </p:sp>
     </p:spTree>
   </p:cSld>
   <p:clrMapOvr>
@@ -14713,45 +14063,7 @@
                 <a:latin typeface="Abadi" panose="020B0604020104020204" pitchFamily="34" charset="0"/>
                 <a:sym typeface="Arial"/>
               </a:rPr>
-              <a:t>nearby schools , crime rate,</a:t>
-            </a:r>
-            <a:r>
-              <a:rPr lang="en-US" sz="1800" b="0" i="0" dirty="0">
-                <a:solidFill>
-                  <a:schemeClr val="dk1"/>
-                </a:solidFill>
-                <a:highlight>
-                  <a:srgbClr val="FFFF00"/>
-                </a:highlight>
-                <a:latin typeface="Abadi" panose="020B0604020104020204" pitchFamily="34" charset="0"/>
-                <a:sym typeface="Arial"/>
-              </a:rPr>
-              <a:t> No of Rooms</a:t>
-            </a:r>
-            <a:r>
-              <a:rPr lang="en-US" sz="1800" dirty="0">
-                <a:solidFill>
-                  <a:schemeClr val="dk1"/>
-                </a:solidFill>
-                <a:highlight>
-                  <a:srgbClr val="FFFF00"/>
-                </a:highlight>
-                <a:latin typeface="Abadi" panose="020B0604020104020204" pitchFamily="34" charset="0"/>
-              </a:rPr>
-              <a:t>/ B</a:t>
-            </a:r>
-            <a:r>
-              <a:rPr lang="en-US" sz="1800" b="0" i="0" dirty="0">
-                <a:solidFill>
-                  <a:schemeClr val="dk1"/>
-                </a:solidFill>
-                <a:highlight>
-                  <a:srgbClr val="FFFF00"/>
-                </a:highlight>
-                <a:latin typeface="Abadi" panose="020B0604020104020204" pitchFamily="34" charset="0"/>
-                <a:sym typeface="Arial"/>
-              </a:rPr>
-              <a:t>athrooms/ Car park</a:t>
+              <a:t>nearby schools , crime rate</a:t>
             </a:r>
             <a:endParaRPr sz="1800" dirty="0">
               <a:solidFill>
@@ -15012,114 +14324,6 @@
               </a:solidFill>
               <a:latin typeface="Abadi" panose="020B0604020104020204" pitchFamily="34" charset="0"/>
               <a:sym typeface="Arial"/>
-            </a:endParaRPr>
-          </a:p>
-        </p:txBody>
-      </p:sp>
-      <p:sp>
-        <p:nvSpPr>
-          <p:cNvPr id="188" name="Google Shape;188;p9"/>
-          <p:cNvSpPr/>
-          <p:nvPr/>
-        </p:nvSpPr>
-        <p:spPr>
-          <a:xfrm>
-            <a:off x="10993528" y="0"/>
-            <a:ext cx="1110000" cy="554100"/>
-          </a:xfrm>
-          <a:prstGeom prst="rect">
-            <a:avLst/>
-          </a:prstGeom>
-          <a:noFill/>
-          <a:ln>
-            <a:noFill/>
-          </a:ln>
-        </p:spPr>
-        <p:txBody>
-          <a:bodyPr spcFirstLastPara="1" wrap="square" lIns="91425" tIns="45700" rIns="91425" bIns="45700" anchor="t" anchorCtr="0">
-            <a:spAutoFit/>
-          </a:bodyPr>
-          <a:lstStyle/>
-          <a:p>
-            <a:pPr marL="0" marR="0" lvl="0" indent="0" algn="ctr" rtl="0">
-              <a:spcBef>
-                <a:spcPts val="0"/>
-              </a:spcBef>
-              <a:spcAft>
-                <a:spcPts val="0"/>
-              </a:spcAft>
-              <a:buNone/>
-            </a:pPr>
-            <a:r>
-              <a:rPr lang="en-US" sz="3000" b="1">
-                <a:solidFill>
-                  <a:schemeClr val="lt2"/>
-                </a:solidFill>
-                <a:latin typeface="Libre Franklin"/>
-                <a:ea typeface="Libre Franklin"/>
-                <a:cs typeface="Libre Franklin"/>
-                <a:sym typeface="Libre Franklin"/>
-              </a:rPr>
-              <a:t>HL</a:t>
-            </a:r>
-            <a:endParaRPr/>
-          </a:p>
-        </p:txBody>
-      </p:sp>
-      <p:sp>
-        <p:nvSpPr>
-          <p:cNvPr id="189" name="Google Shape;189;p9"/>
-          <p:cNvSpPr/>
-          <p:nvPr/>
-        </p:nvSpPr>
-        <p:spPr>
-          <a:xfrm>
-            <a:off x="10270976" y="0"/>
-            <a:ext cx="2058600" cy="554100"/>
-          </a:xfrm>
-          <a:prstGeom prst="rect">
-            <a:avLst/>
-          </a:prstGeom>
-          <a:noFill/>
-          <a:ln>
-            <a:noFill/>
-          </a:ln>
-        </p:spPr>
-        <p:txBody>
-          <a:bodyPr spcFirstLastPara="1" wrap="square" lIns="91425" tIns="45700" rIns="91425" bIns="45700" anchor="t" anchorCtr="0">
-            <a:noAutofit/>
-          </a:bodyPr>
-          <a:lstStyle/>
-          <a:p>
-            <a:pPr marL="0" marR="0" lvl="0" indent="0" algn="ctr" rtl="0">
-              <a:spcBef>
-                <a:spcPts val="0"/>
-              </a:spcBef>
-              <a:spcAft>
-                <a:spcPts val="0"/>
-              </a:spcAft>
-              <a:buNone/>
-            </a:pPr>
-            <a:r>
-              <a:rPr lang="en-US" sz="3000">
-                <a:solidFill>
-                  <a:schemeClr val="dk1"/>
-                </a:solidFill>
-                <a:latin typeface="Libre Franklin"/>
-                <a:ea typeface="Libre Franklin"/>
-                <a:cs typeface="Libre Franklin"/>
-                <a:sym typeface="Libre Franklin"/>
-              </a:rPr>
-              <a:t>CATH</a:t>
-            </a:r>
-            <a:endParaRPr sz="3000" b="0" i="0" u="none" strike="noStrike" cap="none">
-              <a:solidFill>
-                <a:schemeClr val="dk1"/>
-              </a:solidFill>
-              <a:latin typeface="Libre Franklin"/>
-              <a:ea typeface="Libre Franklin"/>
-              <a:cs typeface="Libre Franklin"/>
-              <a:sym typeface="Libre Franklin"/>
             </a:endParaRPr>
           </a:p>
         </p:txBody>
@@ -15367,70 +14571,6 @@
           </a:fontRef>
         </p:style>
       </p:cxnSp>
-      <p:sp>
-        <p:nvSpPr>
-          <p:cNvPr id="12" name="Google Shape;208;p8">
-            <a:extLst>
-              <a:ext uri="{FF2B5EF4-FFF2-40B4-BE49-F238E27FC236}">
-                <a16:creationId xmlns:a16="http://schemas.microsoft.com/office/drawing/2014/main" id="{955A7C26-70AC-4915-9E20-584A4A45404E}"/>
-              </a:ext>
-            </a:extLst>
-          </p:cNvPr>
-          <p:cNvSpPr/>
-          <p:nvPr/>
-        </p:nvSpPr>
-        <p:spPr>
-          <a:xfrm>
-            <a:off x="10776340" y="6457931"/>
-            <a:ext cx="1819729" cy="400069"/>
-          </a:xfrm>
-          <a:prstGeom prst="rect">
-            <a:avLst/>
-          </a:prstGeom>
-          <a:noFill/>
-          <a:ln>
-            <a:noFill/>
-          </a:ln>
-        </p:spPr>
-        <p:txBody>
-          <a:bodyPr spcFirstLastPara="1" wrap="square" lIns="91425" tIns="45700" rIns="91425" bIns="45700" anchor="t" anchorCtr="0">
-            <a:spAutoFit/>
-          </a:bodyPr>
-          <a:lstStyle/>
-          <a:p>
-            <a:pPr marL="0" marR="0" lvl="0" indent="0" algn="ctr" rtl="0">
-              <a:spcBef>
-                <a:spcPts val="0"/>
-              </a:spcBef>
-              <a:spcAft>
-                <a:spcPts val="0"/>
-              </a:spcAft>
-              <a:buNone/>
-            </a:pPr>
-            <a:r>
-              <a:rPr lang="en-US" sz="2000" b="1" dirty="0">
-                <a:solidFill>
-                  <a:schemeClr val="dk1"/>
-                </a:solidFill>
-                <a:latin typeface="Libre Franklin"/>
-                <a:ea typeface="Libre Franklin"/>
-                <a:cs typeface="Libre Franklin"/>
-                <a:sym typeface="Libre Franklin"/>
-              </a:rPr>
-              <a:t>CATH</a:t>
-            </a:r>
-            <a:endParaRPr sz="2000" b="1" cap="none" dirty="0">
-              <a:solidFill>
-                <a:schemeClr val="dk1"/>
-              </a:solidFill>
-              <a:latin typeface="Libre Franklin"/>
-              <a:ea typeface="Libre Franklin"/>
-              <a:cs typeface="Libre Franklin"/>
-              <a:sym typeface="Libre Franklin"/>
-            </a:endParaRPr>
-          </a:p>
-        </p:txBody>
-      </p:sp>
       <p:pic>
         <p:nvPicPr>
           <p:cNvPr id="3" name="Picture 2">
